--- a/Presentation/ppt/GameAgent_v0.5.pptx
+++ b/Presentation/ppt/GameAgent_v0.5.pptx
@@ -16631,8 +16631,8 @@
           </a:p>
         </p:txBody>
       </p:sp>
-      <mc:AlternateContent xmlns:mc="http://schemas.openxmlformats.org/markup-compatibility/2006">
-        <mc:Choice xmlns:p14="http://schemas.microsoft.com/office/powerpoint/2010/main" Requires="p14">
+      <mc:AlternateContent xmlns:mc="http://schemas.openxmlformats.org/markup-compatibility/2006" xmlns:p14="http://schemas.microsoft.com/office/powerpoint/2010/main">
+        <mc:Choice Requires="p14">
           <p:contentPart p14:bwMode="auto" r:id="rId22">
             <p14:nvContentPartPr>
               <p14:cNvPr id="24" name="잉크 23">
@@ -16651,7 +16651,7 @@
             </p14:xfrm>
           </p:contentPart>
         </mc:Choice>
-        <mc:Fallback>
+        <mc:Fallback xmlns="">
           <p:pic>
             <p:nvPicPr>
               <p:cNvPr id="24" name="잉크 23">
@@ -16682,8 +16682,8 @@
           </p:pic>
         </mc:Fallback>
       </mc:AlternateContent>
-      <mc:AlternateContent xmlns:mc="http://schemas.openxmlformats.org/markup-compatibility/2006">
-        <mc:Choice xmlns:p14="http://schemas.microsoft.com/office/powerpoint/2010/main" Requires="p14">
+      <mc:AlternateContent xmlns:mc="http://schemas.openxmlformats.org/markup-compatibility/2006" xmlns:p14="http://schemas.microsoft.com/office/powerpoint/2010/main">
+        <mc:Choice Requires="p14">
           <p:contentPart p14:bwMode="auto" r:id="rId24">
             <p14:nvContentPartPr>
               <p14:cNvPr id="28" name="잉크 27">
@@ -16702,7 +16702,7 @@
             </p14:xfrm>
           </p:contentPart>
         </mc:Choice>
-        <mc:Fallback>
+        <mc:Fallback xmlns="">
           <p:pic>
             <p:nvPicPr>
               <p:cNvPr id="28" name="잉크 27">
@@ -16733,8 +16733,8 @@
           </p:pic>
         </mc:Fallback>
       </mc:AlternateContent>
-      <mc:AlternateContent xmlns:mc="http://schemas.openxmlformats.org/markup-compatibility/2006">
-        <mc:Choice xmlns:p14="http://schemas.microsoft.com/office/powerpoint/2010/main" Requires="p14">
+      <mc:AlternateContent xmlns:mc="http://schemas.openxmlformats.org/markup-compatibility/2006" xmlns:p14="http://schemas.microsoft.com/office/powerpoint/2010/main">
+        <mc:Choice Requires="p14">
           <p:contentPart p14:bwMode="auto" r:id="rId26">
             <p14:nvContentPartPr>
               <p14:cNvPr id="41" name="잉크 40">
@@ -16753,7 +16753,7 @@
             </p14:xfrm>
           </p:contentPart>
         </mc:Choice>
-        <mc:Fallback>
+        <mc:Fallback xmlns="">
           <p:pic>
             <p:nvPicPr>
               <p:cNvPr id="41" name="잉크 40">
@@ -16784,8 +16784,8 @@
           </p:pic>
         </mc:Fallback>
       </mc:AlternateContent>
-      <mc:AlternateContent xmlns:mc="http://schemas.openxmlformats.org/markup-compatibility/2006">
-        <mc:Choice xmlns:p14="http://schemas.microsoft.com/office/powerpoint/2010/main" Requires="p14">
+      <mc:AlternateContent xmlns:mc="http://schemas.openxmlformats.org/markup-compatibility/2006" xmlns:p14="http://schemas.microsoft.com/office/powerpoint/2010/main">
+        <mc:Choice Requires="p14">
           <p:contentPart p14:bwMode="auto" r:id="rId28">
             <p14:nvContentPartPr>
               <p14:cNvPr id="48" name="잉크 47">
@@ -16804,7 +16804,7 @@
             </p14:xfrm>
           </p:contentPart>
         </mc:Choice>
-        <mc:Fallback>
+        <mc:Fallback xmlns="">
           <p:pic>
             <p:nvPicPr>
               <p:cNvPr id="48" name="잉크 47">
